--- a/IoT/Aula 06 - Atuadores Avançados/Aula 06 - Atuadores Avançados.pptx
+++ b/IoT/Aula 06 - Atuadores Avançados/Aula 06 - Atuadores Avançados.pptx
@@ -6,7 +6,7 @@
     <p:sldMasterId id="2147483699" r:id="rId2"/>
   </p:sldMasterIdLst>
   <p:notesMasterIdLst>
-    <p:notesMasterId r:id="rId12"/>
+    <p:notesMasterId r:id="rId13"/>
   </p:notesMasterIdLst>
   <p:sldIdLst>
     <p:sldId id="398" r:id="rId3"/>
@@ -17,7 +17,8 @@
     <p:sldId id="834" r:id="rId8"/>
     <p:sldId id="839" r:id="rId9"/>
     <p:sldId id="837" r:id="rId10"/>
-    <p:sldId id="812" r:id="rId11"/>
+    <p:sldId id="3001" r:id="rId11"/>
+    <p:sldId id="812" r:id="rId12"/>
   </p:sldIdLst>
   <p:sldSz cx="9144000" cy="6858000" type="screen4x3"/>
   <p:notesSz cx="6858000" cy="9144000"/>
@@ -218,7 +219,7 @@
             <a:fld id="{4EA5E1ED-E65E-440E-8A4B-5F5DC973F797}" type="datetimeFigureOut">
               <a:rPr lang="pt-BR" smtClean="0"/>
               <a:pPr/>
-              <a:t>14/08/2023</a:t>
+              <a:t>25/08/2023</a:t>
             </a:fld>
             <a:endParaRPr lang="pt-BR"/>
           </a:p>
@@ -805,7 +806,7 @@
           <a:p>
             <a:fld id="{1787AD07-0C2A-424C-83EF-FCCF4A0D3BA0}" type="datetime1">
               <a:rPr lang="pt-BR" smtClean="0"/>
-              <a:t>14/08/2023</a:t>
+              <a:t>25/08/2023</a:t>
             </a:fld>
             <a:endParaRPr lang="pt-BR"/>
           </a:p>
@@ -974,7 +975,7 @@
           <a:p>
             <a:fld id="{2F92FB66-59C8-46A5-AD82-5DAAFD2DC390}" type="datetime1">
               <a:rPr lang="pt-BR" smtClean="0"/>
-              <a:t>14/08/2023</a:t>
+              <a:t>25/08/2023</a:t>
             </a:fld>
             <a:endParaRPr lang="pt-BR"/>
           </a:p>
@@ -1153,7 +1154,7 @@
           <a:p>
             <a:fld id="{3D5CC8D2-C61E-4471-AD68-1C0D45A8EAFC}" type="datetime1">
               <a:rPr lang="pt-BR" smtClean="0"/>
-              <a:t>14/08/2023</a:t>
+              <a:t>25/08/2023</a:t>
             </a:fld>
             <a:endParaRPr lang="pt-BR"/>
           </a:p>
@@ -1296,7 +1297,7 @@
           <a:p>
             <a:fld id="{C3E38981-C08A-4A29-B885-392FB4EE0709}" type="datetime1">
               <a:rPr lang="pt-BR" smtClean="0"/>
-              <a:t>14/08/2023</a:t>
+              <a:t>25/08/2023</a:t>
             </a:fld>
             <a:endParaRPr lang="en-US" dirty="0"/>
           </a:p>
@@ -1681,7 +1682,7 @@
           <a:p>
             <a:fld id="{2CFE63D7-5B4A-40A4-8FD4-EA63D1010EB7}" type="datetime1">
               <a:rPr lang="pt-BR" smtClean="0"/>
-              <a:t>14/08/2023</a:t>
+              <a:t>25/08/2023</a:t>
             </a:fld>
             <a:endParaRPr lang="en-US" dirty="0"/>
           </a:p>
@@ -1903,7 +1904,7 @@
           <a:p>
             <a:fld id="{A9719147-5557-4D76-A2C3-BF25882771D2}" type="datetime1">
               <a:rPr lang="pt-BR" smtClean="0"/>
-              <a:t>14/08/2023</a:t>
+              <a:t>25/08/2023</a:t>
             </a:fld>
             <a:endParaRPr lang="en-US" dirty="0"/>
           </a:p>
@@ -2216,7 +2217,7 @@
           <a:p>
             <a:fld id="{66250340-7104-44A8-88A9-88532CCE9C1C}" type="datetime1">
               <a:rPr lang="pt-BR" smtClean="0"/>
-              <a:t>14/08/2023</a:t>
+              <a:t>25/08/2023</a:t>
             </a:fld>
             <a:endParaRPr lang="en-US" dirty="0"/>
           </a:p>
@@ -2401,7 +2402,7 @@
           <a:p>
             <a:fld id="{D047EA32-7810-48BE-A9BB-EA3D8AA5AD34}" type="datetime1">
               <a:rPr lang="pt-BR" smtClean="0"/>
-              <a:t>14/08/2023</a:t>
+              <a:t>25/08/2023</a:t>
             </a:fld>
             <a:endParaRPr lang="en-US" dirty="0"/>
           </a:p>
@@ -2549,7 +2550,7 @@
           <a:p>
             <a:fld id="{7C28E9E9-B91F-400E-BE43-87BB4B5C6F4E}" type="datetime1">
               <a:rPr lang="pt-BR" smtClean="0"/>
-              <a:t>14/08/2023</a:t>
+              <a:t>25/08/2023</a:t>
             </a:fld>
             <a:endParaRPr lang="en-US" dirty="0"/>
           </a:p>
@@ -2801,7 +2802,7 @@
           <a:p>
             <a:fld id="{A9E773EA-BFD5-41D4-8CCD-2C9F67DAB481}" type="datetime1">
               <a:rPr lang="pt-BR" smtClean="0"/>
-              <a:t>14/08/2023</a:t>
+              <a:t>25/08/2023</a:t>
             </a:fld>
             <a:endParaRPr lang="pt-BR" dirty="0"/>
           </a:p>
@@ -3003,7 +3004,7 @@
           <a:p>
             <a:fld id="{DAA7C8B6-CF57-4A95-AF6C-A77E6C230ED3}" type="datetime1">
               <a:rPr lang="pt-BR" smtClean="0"/>
-              <a:t>14/08/2023</a:t>
+              <a:t>25/08/2023</a:t>
             </a:fld>
             <a:endParaRPr lang="pt-BR"/>
           </a:p>
@@ -3287,7 +3288,7 @@
           <a:p>
             <a:fld id="{34D50989-24C8-4023-9B0D-A6D249548FD9}" type="datetime1">
               <a:rPr lang="pt-BR" smtClean="0"/>
-              <a:t>14/08/2023</a:t>
+              <a:t>25/08/2023</a:t>
             </a:fld>
             <a:endParaRPr lang="pt-BR"/>
           </a:p>
@@ -3523,7 +3524,7 @@
           <a:p>
             <a:fld id="{8D9BC96A-9776-4585-A439-BC9E2DA226C1}" type="datetime1">
               <a:rPr lang="pt-BR" smtClean="0"/>
-              <a:t>14/08/2023</a:t>
+              <a:t>25/08/2023</a:t>
             </a:fld>
             <a:endParaRPr lang="pt-BR"/>
           </a:p>
@@ -3906,7 +3907,7 @@
           <a:p>
             <a:fld id="{7D12BE36-2922-4567-BD67-201EFA21BF6D}" type="datetime1">
               <a:rPr lang="pt-BR" smtClean="0"/>
-              <a:t>14/08/2023</a:t>
+              <a:t>25/08/2023</a:t>
             </a:fld>
             <a:endParaRPr lang="pt-BR"/>
           </a:p>
@@ -4018,7 +4019,7 @@
           <a:p>
             <a:fld id="{E5B462A9-4B1E-4013-BFB1-FC92225AC2F2}" type="datetime1">
               <a:rPr lang="pt-BR" smtClean="0"/>
-              <a:t>14/08/2023</a:t>
+              <a:t>25/08/2023</a:t>
             </a:fld>
             <a:endParaRPr lang="pt-BR"/>
           </a:p>
@@ -4102,7 +4103,7 @@
           <a:p>
             <a:fld id="{D0E6EC7A-67E7-4978-9BAE-C8F82A40B13B}" type="datetime1">
               <a:rPr lang="pt-BR" smtClean="0"/>
-              <a:t>14/08/2023</a:t>
+              <a:t>25/08/2023</a:t>
             </a:fld>
             <a:endParaRPr lang="pt-BR"/>
           </a:p>
@@ -4384,7 +4385,7 @@
           <a:p>
             <a:fld id="{6E085A4E-80B8-47DD-9D9B-8E1B205CBB30}" type="datetime1">
               <a:rPr lang="pt-BR" smtClean="0"/>
-              <a:t>14/08/2023</a:t>
+              <a:t>25/08/2023</a:t>
             </a:fld>
             <a:endParaRPr lang="pt-BR"/>
           </a:p>
@@ -4643,7 +4644,7 @@
           <a:p>
             <a:fld id="{F4E9A02C-D9AD-4B8C-9B93-B0980E8E86EB}" type="datetime1">
               <a:rPr lang="pt-BR" smtClean="0"/>
-              <a:t>14/08/2023</a:t>
+              <a:t>25/08/2023</a:t>
             </a:fld>
             <a:endParaRPr lang="pt-BR"/>
           </a:p>
@@ -4855,7 +4856,7 @@
           <a:p>
             <a:fld id="{202762D0-3A59-4B14-83BA-8E0FC8A60AB1}" type="datetime1">
               <a:rPr lang="pt-BR" smtClean="0"/>
-              <a:t>14/08/2023</a:t>
+              <a:t>25/08/2023</a:t>
             </a:fld>
             <a:endParaRPr lang="pt-BR"/>
           </a:p>
@@ -5696,6 +5697,210 @@
 </p:sld>
 </file>
 
+<file path=ppt/slides/slide10.xml><?xml version="1.0" encoding="utf-8"?>
+<p:sld xmlns:a="http://schemas.openxmlformats.org/drawingml/2006/main" xmlns:r="http://schemas.openxmlformats.org/officeDocument/2006/relationships" xmlns:p="http://schemas.openxmlformats.org/presentationml/2006/main">
+  <p:cSld>
+    <p:spTree>
+      <p:nvGrpSpPr>
+        <p:cNvPr id="1" name=""/>
+        <p:cNvGrpSpPr/>
+        <p:nvPr/>
+      </p:nvGrpSpPr>
+      <p:grpSpPr>
+        <a:xfrm>
+          <a:off x="0" y="0"/>
+          <a:ext cx="0" cy="0"/>
+          <a:chOff x="0" y="0"/>
+          <a:chExt cx="0" cy="0"/>
+        </a:xfrm>
+      </p:grpSpPr>
+      <p:sp>
+        <p:nvSpPr>
+          <p:cNvPr id="8" name="Título 7">
+            <a:extLst>
+              <a:ext uri="{FF2B5EF4-FFF2-40B4-BE49-F238E27FC236}">
+                <a16:creationId xmlns:a16="http://schemas.microsoft.com/office/drawing/2014/main" id="{E188DB65-9498-C38F-6493-0EE38DB056B5}"/>
+              </a:ext>
+            </a:extLst>
+          </p:cNvPr>
+          <p:cNvSpPr>
+            <a:spLocks noGrp="1"/>
+          </p:cNvSpPr>
+          <p:nvPr>
+            <p:ph type="title"/>
+          </p:nvPr>
+        </p:nvSpPr>
+        <p:spPr/>
+        <p:txBody>
+          <a:bodyPr>
+            <a:normAutofit/>
+          </a:bodyPr>
+          <a:lstStyle/>
+          <a:p>
+            <a:r>
+              <a:rPr lang="pt-BR" dirty="0">
+                <a:effectLst/>
+                <a:latin typeface="Arial" panose="020B0604020202020204" pitchFamily="34" charset="0"/>
+              </a:rPr>
+              <a:t>Copyright © 2023 Prof. </a:t>
+            </a:r>
+            <a:r>
+              <a:rPr lang="pt-BR" b="1" dirty="0"/>
+              <a:t>Airton Y. C. </a:t>
+            </a:r>
+            <a:r>
+              <a:rPr lang="pt-BR" b="1" dirty="0" err="1"/>
+              <a:t>Toyofuku</a:t>
+            </a:r>
+            <a:endParaRPr lang="pt-BR" b="1" dirty="0"/>
+          </a:p>
+        </p:txBody>
+      </p:sp>
+      <p:sp>
+        <p:nvSpPr>
+          <p:cNvPr id="4" name="Espaço Reservado para Número de Slide 3">
+            <a:extLst>
+              <a:ext uri="{FF2B5EF4-FFF2-40B4-BE49-F238E27FC236}">
+                <a16:creationId xmlns:a16="http://schemas.microsoft.com/office/drawing/2014/main" id="{961A5CC8-8B6C-915A-2707-2E93B7B749E3}"/>
+              </a:ext>
+            </a:extLst>
+          </p:cNvPr>
+          <p:cNvSpPr>
+            <a:spLocks noGrp="1"/>
+          </p:cNvSpPr>
+          <p:nvPr>
+            <p:ph type="sldNum" sz="quarter" idx="4294967295"/>
+          </p:nvPr>
+        </p:nvSpPr>
+        <p:spPr>
+          <a:xfrm>
+            <a:off x="8610600" y="6356350"/>
+            <a:ext cx="2743200" cy="365125"/>
+          </a:xfrm>
+          <a:prstGeom prst="rect">
+            <a:avLst/>
+          </a:prstGeom>
+        </p:spPr>
+        <p:txBody>
+          <a:bodyPr vert="horz" lIns="91440" tIns="45720" rIns="91440" bIns="45720" rtlCol="0" anchor="ctr"/>
+          <a:lstStyle>
+            <a:defPPr>
+              <a:defRPr lang="pt-BR"/>
+            </a:defPPr>
+            <a:lvl1pPr marL="0" algn="r" defTabSz="914400" rtl="0" eaLnBrk="1" latinLnBrk="0" hangingPunct="1">
+              <a:defRPr sz="1200" kern="1200">
+                <a:solidFill>
+                  <a:srgbClr val="1A1C1E"/>
+                </a:solidFill>
+                <a:latin typeface="+mn-lt"/>
+                <a:ea typeface="+mn-ea"/>
+                <a:cs typeface="+mn-cs"/>
+              </a:defRPr>
+            </a:lvl1pPr>
+            <a:lvl2pPr marL="457200" algn="l" defTabSz="914400" rtl="0" eaLnBrk="1" latinLnBrk="0" hangingPunct="1">
+              <a:defRPr sz="1800" kern="1200">
+                <a:solidFill>
+                  <a:schemeClr val="tx1"/>
+                </a:solidFill>
+                <a:latin typeface="+mn-lt"/>
+                <a:ea typeface="+mn-ea"/>
+                <a:cs typeface="+mn-cs"/>
+              </a:defRPr>
+            </a:lvl2pPr>
+            <a:lvl3pPr marL="914400" algn="l" defTabSz="914400" rtl="0" eaLnBrk="1" latinLnBrk="0" hangingPunct="1">
+              <a:defRPr sz="1800" kern="1200">
+                <a:solidFill>
+                  <a:schemeClr val="tx1"/>
+                </a:solidFill>
+                <a:latin typeface="+mn-lt"/>
+                <a:ea typeface="+mn-ea"/>
+                <a:cs typeface="+mn-cs"/>
+              </a:defRPr>
+            </a:lvl3pPr>
+            <a:lvl4pPr marL="1371600" algn="l" defTabSz="914400" rtl="0" eaLnBrk="1" latinLnBrk="0" hangingPunct="1">
+              <a:defRPr sz="1800" kern="1200">
+                <a:solidFill>
+                  <a:schemeClr val="tx1"/>
+                </a:solidFill>
+                <a:latin typeface="+mn-lt"/>
+                <a:ea typeface="+mn-ea"/>
+                <a:cs typeface="+mn-cs"/>
+              </a:defRPr>
+            </a:lvl4pPr>
+            <a:lvl5pPr marL="1828800" algn="l" defTabSz="914400" rtl="0" eaLnBrk="1" latinLnBrk="0" hangingPunct="1">
+              <a:defRPr sz="1800" kern="1200">
+                <a:solidFill>
+                  <a:schemeClr val="tx1"/>
+                </a:solidFill>
+                <a:latin typeface="+mn-lt"/>
+                <a:ea typeface="+mn-ea"/>
+                <a:cs typeface="+mn-cs"/>
+              </a:defRPr>
+            </a:lvl5pPr>
+            <a:lvl6pPr marL="2286000" algn="l" defTabSz="914400" rtl="0" eaLnBrk="1" latinLnBrk="0" hangingPunct="1">
+              <a:defRPr sz="1800" kern="1200">
+                <a:solidFill>
+                  <a:schemeClr val="tx1"/>
+                </a:solidFill>
+                <a:latin typeface="+mn-lt"/>
+                <a:ea typeface="+mn-ea"/>
+                <a:cs typeface="+mn-cs"/>
+              </a:defRPr>
+            </a:lvl6pPr>
+            <a:lvl7pPr marL="2743200" algn="l" defTabSz="914400" rtl="0" eaLnBrk="1" latinLnBrk="0" hangingPunct="1">
+              <a:defRPr sz="1800" kern="1200">
+                <a:solidFill>
+                  <a:schemeClr val="tx1"/>
+                </a:solidFill>
+                <a:latin typeface="+mn-lt"/>
+                <a:ea typeface="+mn-ea"/>
+                <a:cs typeface="+mn-cs"/>
+              </a:defRPr>
+            </a:lvl7pPr>
+            <a:lvl8pPr marL="3200400" algn="l" defTabSz="914400" rtl="0" eaLnBrk="1" latinLnBrk="0" hangingPunct="1">
+              <a:defRPr sz="1800" kern="1200">
+                <a:solidFill>
+                  <a:schemeClr val="tx1"/>
+                </a:solidFill>
+                <a:latin typeface="+mn-lt"/>
+                <a:ea typeface="+mn-ea"/>
+                <a:cs typeface="+mn-cs"/>
+              </a:defRPr>
+            </a:lvl8pPr>
+            <a:lvl9pPr marL="3657600" algn="l" defTabSz="914400" rtl="0" eaLnBrk="1" latinLnBrk="0" hangingPunct="1">
+              <a:defRPr sz="1800" kern="1200">
+                <a:solidFill>
+                  <a:schemeClr val="tx1"/>
+                </a:solidFill>
+                <a:latin typeface="+mn-lt"/>
+                <a:ea typeface="+mn-ea"/>
+                <a:cs typeface="+mn-cs"/>
+              </a:defRPr>
+            </a:lvl9pPr>
+          </a:lstStyle>
+          <a:p>
+            <a:fld id="{3F951EF7-2A75-44A0-8045-6A6595E5FF16}" type="slidenum">
+              <a:rPr lang="pt-BR" smtClean="0"/>
+              <a:pPr/>
+              <a:t>10</a:t>
+            </a:fld>
+            <a:endParaRPr lang="pt-BR" dirty="0"/>
+          </a:p>
+        </p:txBody>
+      </p:sp>
+    </p:spTree>
+    <p:extLst>
+      <p:ext uri="{BB962C8B-B14F-4D97-AF65-F5344CB8AC3E}">
+        <p14:creationId xmlns:p14="http://schemas.microsoft.com/office/powerpoint/2010/main" val="4248311353"/>
+      </p:ext>
+    </p:extLst>
+  </p:cSld>
+  <p:clrMapOvr>
+    <a:masterClrMapping/>
+  </p:clrMapOvr>
+</p:sld>
+</file>
+
 <file path=ppt/slides/slide2.xml><?xml version="1.0" encoding="utf-8"?>
 <p:sld xmlns:a="http://schemas.openxmlformats.org/drawingml/2006/main" xmlns:r="http://schemas.openxmlformats.org/officeDocument/2006/relationships" xmlns:p="http://schemas.openxmlformats.org/presentationml/2006/main">
   <p:cSld>
@@ -10075,89 +10280,99 @@
       </p:grpSpPr>
       <p:sp>
         <p:nvSpPr>
-          <p:cNvPr id="8" name="Título 7">
+          <p:cNvPr id="9" name="TextBox 6">
             <a:extLst>
               <a:ext uri="{FF2B5EF4-FFF2-40B4-BE49-F238E27FC236}">
-                <a16:creationId xmlns:a16="http://schemas.microsoft.com/office/drawing/2014/main" id="{E188DB65-9498-C38F-6493-0EE38DB056B5}"/>
+                <a16:creationId xmlns:a16="http://schemas.microsoft.com/office/drawing/2014/main" id="{225765AD-71F7-DC36-6CE8-E9873BEE1F3F}"/>
               </a:ext>
             </a:extLst>
           </p:cNvPr>
-          <p:cNvSpPr>
-            <a:spLocks noGrp="1"/>
-          </p:cNvSpPr>
-          <p:nvPr>
-            <p:ph type="title"/>
-          </p:nvPr>
+          <p:cNvSpPr txBox="1"/>
+          <p:nvPr/>
         </p:nvSpPr>
-        <p:spPr/>
+        <p:spPr>
+          <a:xfrm>
+            <a:off x="228600" y="133350"/>
+            <a:ext cx="6324600" cy="646331"/>
+          </a:xfrm>
+          <a:prstGeom prst="rect">
+            <a:avLst/>
+          </a:prstGeom>
+          <a:noFill/>
+        </p:spPr>
         <p:txBody>
-          <a:bodyPr>
-            <a:normAutofit/>
+          <a:bodyPr wrap="square" rtlCol="0">
+            <a:spAutoFit/>
           </a:bodyPr>
           <a:lstStyle/>
           <a:p>
             <a:r>
-              <a:rPr lang="pt-BR" dirty="0">
-                <a:effectLst/>
-                <a:latin typeface="Arial" panose="020B0604020202020204" pitchFamily="34" charset="0"/>
+              <a:rPr lang="pt-BR" sz="3600" dirty="0">
+                <a:solidFill>
+                  <a:srgbClr val="ED145B"/>
+                </a:solidFill>
+                <a:latin typeface="Gotham HTF" pitchFamily="50" charset="0"/>
+                <a:cs typeface="Gotham HTF Light"/>
               </a:rPr>
-              <a:t>Copyright © 2023 Prof. </a:t>
-            </a:r>
-            <a:r>
-              <a:rPr lang="pt-BR" b="1" dirty="0"/>
-              <a:t>Airton Y. C. </a:t>
-            </a:r>
-            <a:r>
-              <a:rPr lang="pt-BR" b="1" dirty="0" err="1"/>
-              <a:t>Toyofuku</a:t>
-            </a:r>
-            <a:endParaRPr lang="pt-BR" b="1" dirty="0"/>
+              <a:t>Exercício Desafio</a:t>
+            </a:r>
           </a:p>
         </p:txBody>
       </p:sp>
       <p:sp>
         <p:nvSpPr>
-          <p:cNvPr id="4" name="Espaço Reservado para Número de Slide 3">
+          <p:cNvPr id="2" name="Espaço Reservado para Conteúdo 4">
             <a:extLst>
               <a:ext uri="{FF2B5EF4-FFF2-40B4-BE49-F238E27FC236}">
-                <a16:creationId xmlns:a16="http://schemas.microsoft.com/office/drawing/2014/main" id="{961A5CC8-8B6C-915A-2707-2E93B7B749E3}"/>
+                <a16:creationId xmlns:a16="http://schemas.microsoft.com/office/drawing/2014/main" id="{1B9A84D7-C911-BA58-85FB-E82D0A133E4B}"/>
               </a:ext>
             </a:extLst>
           </p:cNvPr>
-          <p:cNvSpPr>
-            <a:spLocks noGrp="1"/>
+          <p:cNvSpPr txBox="1">
+            <a:spLocks/>
           </p:cNvSpPr>
-          <p:nvPr>
-            <p:ph type="sldNum" sz="quarter" idx="4294967295"/>
-          </p:nvPr>
+          <p:nvPr/>
         </p:nvSpPr>
         <p:spPr>
           <a:xfrm>
-            <a:off x="8610600" y="6356350"/>
-            <a:ext cx="2743200" cy="365125"/>
+            <a:off x="395536" y="1044558"/>
+            <a:ext cx="3240360" cy="3824602"/>
           </a:xfrm>
           <a:prstGeom prst="rect">
             <a:avLst/>
           </a:prstGeom>
         </p:spPr>
         <p:txBody>
-          <a:bodyPr vert="horz" lIns="91440" tIns="45720" rIns="91440" bIns="45720" rtlCol="0" anchor="ctr"/>
+          <a:bodyPr/>
           <a:lstStyle>
-            <a:defPPr>
-              <a:defRPr lang="pt-BR"/>
-            </a:defPPr>
-            <a:lvl1pPr marL="0" algn="r" defTabSz="914400" rtl="0" eaLnBrk="1" latinLnBrk="0" hangingPunct="1">
-              <a:defRPr sz="1200" kern="1200">
-                <a:solidFill>
-                  <a:srgbClr val="1A1C1E"/>
+            <a:lvl1pPr marL="228600" indent="-228600" algn="l" defTabSz="914400" rtl="0" eaLnBrk="1" latinLnBrk="0" hangingPunct="1">
+              <a:lnSpc>
+                <a:spcPct val="90000"/>
+              </a:lnSpc>
+              <a:spcBef>
+                <a:spcPts val="1000"/>
+              </a:spcBef>
+              <a:buFont typeface="Arial" panose="020B0604020202020204" pitchFamily="34" charset="0"/>
+              <a:buChar char="•"/>
+              <a:defRPr sz="2800" kern="1200">
+                <a:solidFill>
+                  <a:schemeClr val="tx1"/>
                 </a:solidFill>
                 <a:latin typeface="+mn-lt"/>
                 <a:ea typeface="+mn-ea"/>
                 <a:cs typeface="+mn-cs"/>
               </a:defRPr>
             </a:lvl1pPr>
-            <a:lvl2pPr marL="457200" algn="l" defTabSz="914400" rtl="0" eaLnBrk="1" latinLnBrk="0" hangingPunct="1">
-              <a:defRPr sz="1800" kern="1200">
+            <a:lvl2pPr marL="685800" indent="-228600" algn="l" defTabSz="914400" rtl="0" eaLnBrk="1" latinLnBrk="0" hangingPunct="1">
+              <a:lnSpc>
+                <a:spcPct val="90000"/>
+              </a:lnSpc>
+              <a:spcBef>
+                <a:spcPts val="500"/>
+              </a:spcBef>
+              <a:buFont typeface="Arial" panose="020B0604020202020204" pitchFamily="34" charset="0"/>
+              <a:buChar char="•"/>
+              <a:defRPr sz="2400" kern="1200">
                 <a:solidFill>
                   <a:schemeClr val="tx1"/>
                 </a:solidFill>
@@ -10166,8 +10381,16 @@
                 <a:cs typeface="+mn-cs"/>
               </a:defRPr>
             </a:lvl2pPr>
-            <a:lvl3pPr marL="914400" algn="l" defTabSz="914400" rtl="0" eaLnBrk="1" latinLnBrk="0" hangingPunct="1">
-              <a:defRPr sz="1800" kern="1200">
+            <a:lvl3pPr marL="1143000" indent="-228600" algn="l" defTabSz="914400" rtl="0" eaLnBrk="1" latinLnBrk="0" hangingPunct="1">
+              <a:lnSpc>
+                <a:spcPct val="90000"/>
+              </a:lnSpc>
+              <a:spcBef>
+                <a:spcPts val="500"/>
+              </a:spcBef>
+              <a:buFont typeface="Arial" panose="020B0604020202020204" pitchFamily="34" charset="0"/>
+              <a:buChar char="•"/>
+              <a:defRPr sz="2000" kern="1200">
                 <a:solidFill>
                   <a:schemeClr val="tx1"/>
                 </a:solidFill>
@@ -10176,7 +10399,15 @@
                 <a:cs typeface="+mn-cs"/>
               </a:defRPr>
             </a:lvl3pPr>
-            <a:lvl4pPr marL="1371600" algn="l" defTabSz="914400" rtl="0" eaLnBrk="1" latinLnBrk="0" hangingPunct="1">
+            <a:lvl4pPr marL="1600200" indent="-228600" algn="l" defTabSz="914400" rtl="0" eaLnBrk="1" latinLnBrk="0" hangingPunct="1">
+              <a:lnSpc>
+                <a:spcPct val="90000"/>
+              </a:lnSpc>
+              <a:spcBef>
+                <a:spcPts val="500"/>
+              </a:spcBef>
+              <a:buFont typeface="Arial" panose="020B0604020202020204" pitchFamily="34" charset="0"/>
+              <a:buChar char="•"/>
               <a:defRPr sz="1800" kern="1200">
                 <a:solidFill>
                   <a:schemeClr val="tx1"/>
@@ -10186,7 +10417,15 @@
                 <a:cs typeface="+mn-cs"/>
               </a:defRPr>
             </a:lvl4pPr>
-            <a:lvl5pPr marL="1828800" algn="l" defTabSz="914400" rtl="0" eaLnBrk="1" latinLnBrk="0" hangingPunct="1">
+            <a:lvl5pPr marL="2057400" indent="-228600" algn="l" defTabSz="914400" rtl="0" eaLnBrk="1" latinLnBrk="0" hangingPunct="1">
+              <a:lnSpc>
+                <a:spcPct val="90000"/>
+              </a:lnSpc>
+              <a:spcBef>
+                <a:spcPts val="500"/>
+              </a:spcBef>
+              <a:buFont typeface="Arial" panose="020B0604020202020204" pitchFamily="34" charset="0"/>
+              <a:buChar char="•"/>
               <a:defRPr sz="1800" kern="1200">
                 <a:solidFill>
                   <a:schemeClr val="tx1"/>
@@ -10196,7 +10435,15 @@
                 <a:cs typeface="+mn-cs"/>
               </a:defRPr>
             </a:lvl5pPr>
-            <a:lvl6pPr marL="2286000" algn="l" defTabSz="914400" rtl="0" eaLnBrk="1" latinLnBrk="0" hangingPunct="1">
+            <a:lvl6pPr marL="2514600" indent="-228600" algn="l" defTabSz="914400" rtl="0" eaLnBrk="1" latinLnBrk="0" hangingPunct="1">
+              <a:lnSpc>
+                <a:spcPct val="90000"/>
+              </a:lnSpc>
+              <a:spcBef>
+                <a:spcPts val="500"/>
+              </a:spcBef>
+              <a:buFont typeface="Arial" panose="020B0604020202020204" pitchFamily="34" charset="0"/>
+              <a:buChar char="•"/>
               <a:defRPr sz="1800" kern="1200">
                 <a:solidFill>
                   <a:schemeClr val="tx1"/>
@@ -10206,7 +10453,15 @@
                 <a:cs typeface="+mn-cs"/>
               </a:defRPr>
             </a:lvl6pPr>
-            <a:lvl7pPr marL="2743200" algn="l" defTabSz="914400" rtl="0" eaLnBrk="1" latinLnBrk="0" hangingPunct="1">
+            <a:lvl7pPr marL="2971800" indent="-228600" algn="l" defTabSz="914400" rtl="0" eaLnBrk="1" latinLnBrk="0" hangingPunct="1">
+              <a:lnSpc>
+                <a:spcPct val="90000"/>
+              </a:lnSpc>
+              <a:spcBef>
+                <a:spcPts val="500"/>
+              </a:spcBef>
+              <a:buFont typeface="Arial" panose="020B0604020202020204" pitchFamily="34" charset="0"/>
+              <a:buChar char="•"/>
               <a:defRPr sz="1800" kern="1200">
                 <a:solidFill>
                   <a:schemeClr val="tx1"/>
@@ -10216,7 +10471,15 @@
                 <a:cs typeface="+mn-cs"/>
               </a:defRPr>
             </a:lvl7pPr>
-            <a:lvl8pPr marL="3200400" algn="l" defTabSz="914400" rtl="0" eaLnBrk="1" latinLnBrk="0" hangingPunct="1">
+            <a:lvl8pPr marL="3429000" indent="-228600" algn="l" defTabSz="914400" rtl="0" eaLnBrk="1" latinLnBrk="0" hangingPunct="1">
+              <a:lnSpc>
+                <a:spcPct val="90000"/>
+              </a:lnSpc>
+              <a:spcBef>
+                <a:spcPts val="500"/>
+              </a:spcBef>
+              <a:buFont typeface="Arial" panose="020B0604020202020204" pitchFamily="34" charset="0"/>
+              <a:buChar char="•"/>
               <a:defRPr sz="1800" kern="1200">
                 <a:solidFill>
                   <a:schemeClr val="tx1"/>
@@ -10226,7 +10489,15 @@
                 <a:cs typeface="+mn-cs"/>
               </a:defRPr>
             </a:lvl8pPr>
-            <a:lvl9pPr marL="3657600" algn="l" defTabSz="914400" rtl="0" eaLnBrk="1" latinLnBrk="0" hangingPunct="1">
+            <a:lvl9pPr marL="3886200" indent="-228600" algn="l" defTabSz="914400" rtl="0" eaLnBrk="1" latinLnBrk="0" hangingPunct="1">
+              <a:lnSpc>
+                <a:spcPct val="90000"/>
+              </a:lnSpc>
+              <a:spcBef>
+                <a:spcPts val="500"/>
+              </a:spcBef>
+              <a:buFont typeface="Arial" panose="020B0604020202020204" pitchFamily="34" charset="0"/>
+              <a:buChar char="•"/>
               <a:defRPr sz="1800" kern="1200">
                 <a:solidFill>
                   <a:schemeClr val="tx1"/>
@@ -10238,25 +10509,770 @@
             </a:lvl9pPr>
           </a:lstStyle>
           <a:p>
-            <a:fld id="{3F951EF7-2A75-44A0-8045-6A6595E5FF16}" type="slidenum">
-              <a:rPr lang="pt-BR" smtClean="0"/>
-              <a:pPr/>
-              <a:t>9</a:t>
-            </a:fld>
-            <a:endParaRPr lang="pt-BR" dirty="0"/>
+            <a:pPr marL="0" indent="0">
+              <a:buNone/>
+            </a:pPr>
+            <a:r>
+              <a:rPr lang="pt-BR" sz="1600" dirty="0">
+                <a:latin typeface="Gotham HTF"/>
+              </a:rPr>
+              <a:t>Vamos aplicar o que vimos nessa aula e na anterior para montar no </a:t>
+            </a:r>
+            <a:r>
+              <a:rPr lang="pt-BR" sz="1600" b="1" dirty="0">
+                <a:solidFill>
+                  <a:srgbClr val="ED145B"/>
+                </a:solidFill>
+                <a:latin typeface="Gotham HTF"/>
+              </a:rPr>
+              <a:t>uma porta automática</a:t>
+            </a:r>
+            <a:r>
+              <a:rPr lang="pt-BR" sz="1600" dirty="0">
+                <a:latin typeface="Gotham HTF"/>
+              </a:rPr>
+              <a:t>.</a:t>
+            </a:r>
+            <a:br>
+              <a:rPr lang="pt-BR" sz="1600" dirty="0">
+                <a:latin typeface="Gotham HTF"/>
+              </a:rPr>
+            </a:br>
+            <a:endParaRPr lang="pt-BR" sz="1600" dirty="0">
+              <a:latin typeface="Gotham HTF"/>
+            </a:endParaRPr>
+          </a:p>
+          <a:p>
+            <a:pPr marL="0" indent="0">
+              <a:buNone/>
+            </a:pPr>
+            <a:r>
+              <a:rPr lang="pt-BR" sz="1600" dirty="0">
+                <a:latin typeface="Gotham HTF"/>
+              </a:rPr>
+              <a:t>A porta deve permanecer fechada enquanto ninguém estiver em frente dela.</a:t>
+            </a:r>
+          </a:p>
+          <a:p>
+            <a:pPr marL="0" indent="0">
+              <a:buNone/>
+            </a:pPr>
+            <a:r>
+              <a:rPr lang="pt-BR" sz="1600" dirty="0">
+                <a:latin typeface="Gotham HTF"/>
+              </a:rPr>
+              <a:t>Quando for detectada uma pessoa, a porta deve abrir e permanecer aberta até que a pessoa faça a transição.</a:t>
+            </a:r>
+          </a:p>
+          <a:p>
+            <a:pPr marL="0" indent="0">
+              <a:buNone/>
+            </a:pPr>
+            <a:r>
+              <a:rPr lang="pt-BR" sz="1600" dirty="0">
+                <a:latin typeface="Gotham HTF"/>
+              </a:rPr>
+              <a:t>A porta deve operar em ambos os sentidos, ou seja, ela abre para alguém que queira entrar e abre para alguém que queira sair.</a:t>
+            </a:r>
+          </a:p>
+        </p:txBody>
+      </p:sp>
+      <p:pic>
+        <p:nvPicPr>
+          <p:cNvPr id="1026" name="Picture 2" descr="Automatic Doors &amp; The Technology Used">
+            <a:extLst>
+              <a:ext uri="{FF2B5EF4-FFF2-40B4-BE49-F238E27FC236}">
+                <a16:creationId xmlns:a16="http://schemas.microsoft.com/office/drawing/2014/main" id="{FA26E1D6-47A7-2B05-9D5D-9005758A4701}"/>
+              </a:ext>
+            </a:extLst>
+          </p:cNvPr>
+          <p:cNvPicPr>
+            <a:picLocks noChangeAspect="1" noChangeArrowheads="1"/>
+          </p:cNvPicPr>
+          <p:nvPr/>
+        </p:nvPicPr>
+        <p:blipFill>
+          <a:blip r:embed="rId2">
+            <a:extLst>
+              <a:ext uri="{28A0092B-C50C-407E-A947-70E740481C1C}">
+                <a14:useLocalDpi xmlns:a14="http://schemas.microsoft.com/office/drawing/2010/main" val="0"/>
+              </a:ext>
+            </a:extLst>
+          </a:blip>
+          <a:srcRect/>
+          <a:stretch>
+            <a:fillRect/>
+          </a:stretch>
+        </p:blipFill>
+        <p:spPr bwMode="auto">
+          <a:xfrm>
+            <a:off x="3707904" y="1644601"/>
+            <a:ext cx="5310910" cy="2792511"/>
+          </a:xfrm>
+          <a:prstGeom prst="rect">
+            <a:avLst/>
+          </a:prstGeom>
+          <a:noFill/>
+          <a:extLst>
+            <a:ext uri="{909E8E84-426E-40DD-AFC4-6F175D3DCCD1}">
+              <a14:hiddenFill xmlns:a14="http://schemas.microsoft.com/office/drawing/2010/main">
+                <a:solidFill>
+                  <a:srgbClr val="FFFFFF"/>
+                </a:solidFill>
+              </a14:hiddenFill>
+            </a:ext>
+          </a:extLst>
+        </p:spPr>
+      </p:pic>
+      <p:sp>
+        <p:nvSpPr>
+          <p:cNvPr id="3" name="Espaço Reservado para Conteúdo 4">
+            <a:extLst>
+              <a:ext uri="{FF2B5EF4-FFF2-40B4-BE49-F238E27FC236}">
+                <a16:creationId xmlns:a16="http://schemas.microsoft.com/office/drawing/2014/main" id="{BEDDC384-EA32-5FDE-CD4B-46D3F39054B2}"/>
+              </a:ext>
+            </a:extLst>
+          </p:cNvPr>
+          <p:cNvSpPr txBox="1">
+            <a:spLocks/>
+          </p:cNvSpPr>
+          <p:nvPr/>
+        </p:nvSpPr>
+        <p:spPr>
+          <a:xfrm>
+            <a:off x="395536" y="4945699"/>
+            <a:ext cx="8623278" cy="1219605"/>
+          </a:xfrm>
+          <a:prstGeom prst="rect">
+            <a:avLst/>
+          </a:prstGeom>
+        </p:spPr>
+        <p:txBody>
+          <a:bodyPr/>
+          <a:lstStyle>
+            <a:lvl1pPr marL="228600" indent="-228600" algn="l" defTabSz="914400" rtl="0" eaLnBrk="1" latinLnBrk="0" hangingPunct="1">
+              <a:lnSpc>
+                <a:spcPct val="90000"/>
+              </a:lnSpc>
+              <a:spcBef>
+                <a:spcPts val="1000"/>
+              </a:spcBef>
+              <a:buFont typeface="Arial" panose="020B0604020202020204" pitchFamily="34" charset="0"/>
+              <a:buChar char="•"/>
+              <a:defRPr sz="2800" kern="1200">
+                <a:solidFill>
+                  <a:schemeClr val="tx1"/>
+                </a:solidFill>
+                <a:latin typeface="+mn-lt"/>
+                <a:ea typeface="+mn-ea"/>
+                <a:cs typeface="+mn-cs"/>
+              </a:defRPr>
+            </a:lvl1pPr>
+            <a:lvl2pPr marL="685800" indent="-228600" algn="l" defTabSz="914400" rtl="0" eaLnBrk="1" latinLnBrk="0" hangingPunct="1">
+              <a:lnSpc>
+                <a:spcPct val="90000"/>
+              </a:lnSpc>
+              <a:spcBef>
+                <a:spcPts val="500"/>
+              </a:spcBef>
+              <a:buFont typeface="Arial" panose="020B0604020202020204" pitchFamily="34" charset="0"/>
+              <a:buChar char="•"/>
+              <a:defRPr sz="2400" kern="1200">
+                <a:solidFill>
+                  <a:schemeClr val="tx1"/>
+                </a:solidFill>
+                <a:latin typeface="+mn-lt"/>
+                <a:ea typeface="+mn-ea"/>
+                <a:cs typeface="+mn-cs"/>
+              </a:defRPr>
+            </a:lvl2pPr>
+            <a:lvl3pPr marL="1143000" indent="-228600" algn="l" defTabSz="914400" rtl="0" eaLnBrk="1" latinLnBrk="0" hangingPunct="1">
+              <a:lnSpc>
+                <a:spcPct val="90000"/>
+              </a:lnSpc>
+              <a:spcBef>
+                <a:spcPts val="500"/>
+              </a:spcBef>
+              <a:buFont typeface="Arial" panose="020B0604020202020204" pitchFamily="34" charset="0"/>
+              <a:buChar char="•"/>
+              <a:defRPr sz="2000" kern="1200">
+                <a:solidFill>
+                  <a:schemeClr val="tx1"/>
+                </a:solidFill>
+                <a:latin typeface="+mn-lt"/>
+                <a:ea typeface="+mn-ea"/>
+                <a:cs typeface="+mn-cs"/>
+              </a:defRPr>
+            </a:lvl3pPr>
+            <a:lvl4pPr marL="1600200" indent="-228600" algn="l" defTabSz="914400" rtl="0" eaLnBrk="1" latinLnBrk="0" hangingPunct="1">
+              <a:lnSpc>
+                <a:spcPct val="90000"/>
+              </a:lnSpc>
+              <a:spcBef>
+                <a:spcPts val="500"/>
+              </a:spcBef>
+              <a:buFont typeface="Arial" panose="020B0604020202020204" pitchFamily="34" charset="0"/>
+              <a:buChar char="•"/>
+              <a:defRPr sz="1800" kern="1200">
+                <a:solidFill>
+                  <a:schemeClr val="tx1"/>
+                </a:solidFill>
+                <a:latin typeface="+mn-lt"/>
+                <a:ea typeface="+mn-ea"/>
+                <a:cs typeface="+mn-cs"/>
+              </a:defRPr>
+            </a:lvl4pPr>
+            <a:lvl5pPr marL="2057400" indent="-228600" algn="l" defTabSz="914400" rtl="0" eaLnBrk="1" latinLnBrk="0" hangingPunct="1">
+              <a:lnSpc>
+                <a:spcPct val="90000"/>
+              </a:lnSpc>
+              <a:spcBef>
+                <a:spcPts val="500"/>
+              </a:spcBef>
+              <a:buFont typeface="Arial" panose="020B0604020202020204" pitchFamily="34" charset="0"/>
+              <a:buChar char="•"/>
+              <a:defRPr sz="1800" kern="1200">
+                <a:solidFill>
+                  <a:schemeClr val="tx1"/>
+                </a:solidFill>
+                <a:latin typeface="+mn-lt"/>
+                <a:ea typeface="+mn-ea"/>
+                <a:cs typeface="+mn-cs"/>
+              </a:defRPr>
+            </a:lvl5pPr>
+            <a:lvl6pPr marL="2514600" indent="-228600" algn="l" defTabSz="914400" rtl="0" eaLnBrk="1" latinLnBrk="0" hangingPunct="1">
+              <a:lnSpc>
+                <a:spcPct val="90000"/>
+              </a:lnSpc>
+              <a:spcBef>
+                <a:spcPts val="500"/>
+              </a:spcBef>
+              <a:buFont typeface="Arial" panose="020B0604020202020204" pitchFamily="34" charset="0"/>
+              <a:buChar char="•"/>
+              <a:defRPr sz="1800" kern="1200">
+                <a:solidFill>
+                  <a:schemeClr val="tx1"/>
+                </a:solidFill>
+                <a:latin typeface="+mn-lt"/>
+                <a:ea typeface="+mn-ea"/>
+                <a:cs typeface="+mn-cs"/>
+              </a:defRPr>
+            </a:lvl6pPr>
+            <a:lvl7pPr marL="2971800" indent="-228600" algn="l" defTabSz="914400" rtl="0" eaLnBrk="1" latinLnBrk="0" hangingPunct="1">
+              <a:lnSpc>
+                <a:spcPct val="90000"/>
+              </a:lnSpc>
+              <a:spcBef>
+                <a:spcPts val="500"/>
+              </a:spcBef>
+              <a:buFont typeface="Arial" panose="020B0604020202020204" pitchFamily="34" charset="0"/>
+              <a:buChar char="•"/>
+              <a:defRPr sz="1800" kern="1200">
+                <a:solidFill>
+                  <a:schemeClr val="tx1"/>
+                </a:solidFill>
+                <a:latin typeface="+mn-lt"/>
+                <a:ea typeface="+mn-ea"/>
+                <a:cs typeface="+mn-cs"/>
+              </a:defRPr>
+            </a:lvl7pPr>
+            <a:lvl8pPr marL="3429000" indent="-228600" algn="l" defTabSz="914400" rtl="0" eaLnBrk="1" latinLnBrk="0" hangingPunct="1">
+              <a:lnSpc>
+                <a:spcPct val="90000"/>
+              </a:lnSpc>
+              <a:spcBef>
+                <a:spcPts val="500"/>
+              </a:spcBef>
+              <a:buFont typeface="Arial" panose="020B0604020202020204" pitchFamily="34" charset="0"/>
+              <a:buChar char="•"/>
+              <a:defRPr sz="1800" kern="1200">
+                <a:solidFill>
+                  <a:schemeClr val="tx1"/>
+                </a:solidFill>
+                <a:latin typeface="+mn-lt"/>
+                <a:ea typeface="+mn-ea"/>
+                <a:cs typeface="+mn-cs"/>
+              </a:defRPr>
+            </a:lvl8pPr>
+            <a:lvl9pPr marL="3886200" indent="-228600" algn="l" defTabSz="914400" rtl="0" eaLnBrk="1" latinLnBrk="0" hangingPunct="1">
+              <a:lnSpc>
+                <a:spcPct val="90000"/>
+              </a:lnSpc>
+              <a:spcBef>
+                <a:spcPts val="500"/>
+              </a:spcBef>
+              <a:buFont typeface="Arial" panose="020B0604020202020204" pitchFamily="34" charset="0"/>
+              <a:buChar char="•"/>
+              <a:defRPr sz="1800" kern="1200">
+                <a:solidFill>
+                  <a:schemeClr val="tx1"/>
+                </a:solidFill>
+                <a:latin typeface="+mn-lt"/>
+                <a:ea typeface="+mn-ea"/>
+                <a:cs typeface="+mn-cs"/>
+              </a:defRPr>
+            </a:lvl9pPr>
+          </a:lstStyle>
+          <a:p>
+            <a:pPr marL="0" indent="0">
+              <a:buNone/>
+            </a:pPr>
+            <a:r>
+              <a:rPr lang="pt-BR" sz="1600" dirty="0">
+                <a:latin typeface="Gotham HTF"/>
+              </a:rPr>
+              <a:t>Para identificar a presença das pessoas utilize </a:t>
+            </a:r>
+            <a:r>
+              <a:rPr lang="pt-BR" sz="1600" b="1" dirty="0">
+                <a:solidFill>
+                  <a:srgbClr val="ED145B"/>
+                </a:solidFill>
+                <a:latin typeface="Gotham HTF"/>
+              </a:rPr>
+              <a:t>Sensores de Proximidade</a:t>
+            </a:r>
+            <a:r>
+              <a:rPr lang="pt-BR" sz="1600" dirty="0">
+                <a:latin typeface="Gotham HTF"/>
+              </a:rPr>
+              <a:t>.</a:t>
+            </a:r>
+          </a:p>
+          <a:p>
+            <a:pPr marL="0" indent="0">
+              <a:buNone/>
+            </a:pPr>
+            <a:r>
+              <a:rPr lang="pt-BR" sz="1600" dirty="0">
+                <a:latin typeface="Gotham HTF"/>
+              </a:rPr>
+              <a:t>Para simular a porta abrindo e fechando, utilize um </a:t>
+            </a:r>
+            <a:r>
+              <a:rPr lang="pt-BR" sz="1600" b="1" dirty="0">
+                <a:solidFill>
+                  <a:srgbClr val="ED145B"/>
+                </a:solidFill>
+                <a:latin typeface="Gotham HTF"/>
+              </a:rPr>
+              <a:t>Servo Motor.</a:t>
+            </a:r>
+          </a:p>
+          <a:p>
+            <a:r>
+              <a:rPr lang="pt-BR" sz="1600" dirty="0">
+                <a:latin typeface="Gotham HTF"/>
+              </a:rPr>
+              <a:t>Por motivos de segurança, o sistema deve abrir e fechar a porta através de um </a:t>
+            </a:r>
+            <a:r>
+              <a:rPr lang="pt-BR" sz="1600" b="1" dirty="0">
+                <a:solidFill>
+                  <a:srgbClr val="ED145B"/>
+                </a:solidFill>
+                <a:latin typeface="Gotham HTF"/>
+              </a:rPr>
+              <a:t>comando vindo do computador.</a:t>
+            </a:r>
           </a:p>
         </p:txBody>
       </p:sp>
     </p:spTree>
     <p:extLst>
       <p:ext uri="{BB962C8B-B14F-4D97-AF65-F5344CB8AC3E}">
-        <p14:creationId xmlns:p14="http://schemas.microsoft.com/office/powerpoint/2010/main" val="4248311353"/>
+        <p14:creationId xmlns:p14="http://schemas.microsoft.com/office/powerpoint/2010/main" val="885442330"/>
       </p:ext>
     </p:extLst>
   </p:cSld>
   <p:clrMapOvr>
     <a:masterClrMapping/>
   </p:clrMapOvr>
+  <mc:AlternateContent xmlns:mc="http://schemas.openxmlformats.org/markup-compatibility/2006" xmlns:p14="http://schemas.microsoft.com/office/powerpoint/2010/main">
+    <mc:Choice Requires="p14">
+      <p:transition spd="med" p14:dur="700">
+        <p:fade/>
+      </p:transition>
+    </mc:Choice>
+    <mc:Fallback xmlns="">
+      <p:transition spd="med">
+        <p:fade/>
+      </p:transition>
+    </mc:Fallback>
+  </mc:AlternateContent>
+  <p:timing>
+    <p:tnLst>
+      <p:par>
+        <p:cTn id="1" dur="indefinite" restart="never" nodeType="tmRoot">
+          <p:childTnLst>
+            <p:seq concurrent="1" nextAc="seek">
+              <p:cTn id="2" dur="indefinite" nodeType="mainSeq">
+                <p:childTnLst>
+                  <p:par>
+                    <p:cTn id="3" fill="hold">
+                      <p:stCondLst>
+                        <p:cond delay="indefinite"/>
+                      </p:stCondLst>
+                      <p:childTnLst>
+                        <p:par>
+                          <p:cTn id="4" fill="hold">
+                            <p:stCondLst>
+                              <p:cond delay="0"/>
+                            </p:stCondLst>
+                            <p:childTnLst>
+                              <p:par>
+                                <p:cTn id="5" presetID="1" presetClass="entr" presetSubtype="0" fill="hold" nodeType="clickEffect">
+                                  <p:stCondLst>
+                                    <p:cond delay="0"/>
+                                  </p:stCondLst>
+                                  <p:childTnLst>
+                                    <p:set>
+                                      <p:cBhvr>
+                                        <p:cTn id="6" dur="1" fill="hold">
+                                          <p:stCondLst>
+                                            <p:cond delay="0"/>
+                                          </p:stCondLst>
+                                        </p:cTn>
+                                        <p:tgtEl>
+                                          <p:spTgt spid="2">
+                                            <p:txEl>
+                                              <p:pRg st="0" end="0"/>
+                                            </p:txEl>
+                                          </p:spTgt>
+                                        </p:tgtEl>
+                                        <p:attrNameLst>
+                                          <p:attrName>style.visibility</p:attrName>
+                                        </p:attrNameLst>
+                                      </p:cBhvr>
+                                      <p:to>
+                                        <p:strVal val="visible"/>
+                                      </p:to>
+                                    </p:set>
+                                  </p:childTnLst>
+                                </p:cTn>
+                              </p:par>
+                            </p:childTnLst>
+                          </p:cTn>
+                        </p:par>
+                      </p:childTnLst>
+                    </p:cTn>
+                  </p:par>
+                  <p:par>
+                    <p:cTn id="7" fill="hold">
+                      <p:stCondLst>
+                        <p:cond delay="indefinite"/>
+                      </p:stCondLst>
+                      <p:childTnLst>
+                        <p:par>
+                          <p:cTn id="8" fill="hold">
+                            <p:stCondLst>
+                              <p:cond delay="0"/>
+                            </p:stCondLst>
+                            <p:childTnLst>
+                              <p:par>
+                                <p:cTn id="9" presetID="1" presetClass="entr" presetSubtype="0" fill="hold" nodeType="clickEffect">
+                                  <p:stCondLst>
+                                    <p:cond delay="0"/>
+                                  </p:stCondLst>
+                                  <p:childTnLst>
+                                    <p:set>
+                                      <p:cBhvr>
+                                        <p:cTn id="10" dur="1" fill="hold">
+                                          <p:stCondLst>
+                                            <p:cond delay="0"/>
+                                          </p:stCondLst>
+                                        </p:cTn>
+                                        <p:tgtEl>
+                                          <p:spTgt spid="2">
+                                            <p:txEl>
+                                              <p:pRg st="1" end="1"/>
+                                            </p:txEl>
+                                          </p:spTgt>
+                                        </p:tgtEl>
+                                        <p:attrNameLst>
+                                          <p:attrName>style.visibility</p:attrName>
+                                        </p:attrNameLst>
+                                      </p:cBhvr>
+                                      <p:to>
+                                        <p:strVal val="visible"/>
+                                      </p:to>
+                                    </p:set>
+                                  </p:childTnLst>
+                                </p:cTn>
+                              </p:par>
+                            </p:childTnLst>
+                          </p:cTn>
+                        </p:par>
+                      </p:childTnLst>
+                    </p:cTn>
+                  </p:par>
+                  <p:par>
+                    <p:cTn id="11" fill="hold">
+                      <p:stCondLst>
+                        <p:cond delay="indefinite"/>
+                      </p:stCondLst>
+                      <p:childTnLst>
+                        <p:par>
+                          <p:cTn id="12" fill="hold">
+                            <p:stCondLst>
+                              <p:cond delay="0"/>
+                            </p:stCondLst>
+                            <p:childTnLst>
+                              <p:par>
+                                <p:cTn id="13" presetID="1" presetClass="entr" presetSubtype="0" fill="hold" nodeType="clickEffect">
+                                  <p:stCondLst>
+                                    <p:cond delay="0"/>
+                                  </p:stCondLst>
+                                  <p:childTnLst>
+                                    <p:set>
+                                      <p:cBhvr>
+                                        <p:cTn id="14" dur="1" fill="hold">
+                                          <p:stCondLst>
+                                            <p:cond delay="0"/>
+                                          </p:stCondLst>
+                                        </p:cTn>
+                                        <p:tgtEl>
+                                          <p:spTgt spid="2">
+                                            <p:txEl>
+                                              <p:pRg st="2" end="2"/>
+                                            </p:txEl>
+                                          </p:spTgt>
+                                        </p:tgtEl>
+                                        <p:attrNameLst>
+                                          <p:attrName>style.visibility</p:attrName>
+                                        </p:attrNameLst>
+                                      </p:cBhvr>
+                                      <p:to>
+                                        <p:strVal val="visible"/>
+                                      </p:to>
+                                    </p:set>
+                                  </p:childTnLst>
+                                </p:cTn>
+                              </p:par>
+                            </p:childTnLst>
+                          </p:cTn>
+                        </p:par>
+                      </p:childTnLst>
+                    </p:cTn>
+                  </p:par>
+                  <p:par>
+                    <p:cTn id="15" fill="hold">
+                      <p:stCondLst>
+                        <p:cond delay="indefinite"/>
+                      </p:stCondLst>
+                      <p:childTnLst>
+                        <p:par>
+                          <p:cTn id="16" fill="hold">
+                            <p:stCondLst>
+                              <p:cond delay="0"/>
+                            </p:stCondLst>
+                            <p:childTnLst>
+                              <p:par>
+                                <p:cTn id="17" presetID="1" presetClass="entr" presetSubtype="0" fill="hold" nodeType="clickEffect">
+                                  <p:stCondLst>
+                                    <p:cond delay="0"/>
+                                  </p:stCondLst>
+                                  <p:childTnLst>
+                                    <p:set>
+                                      <p:cBhvr>
+                                        <p:cTn id="18" dur="1" fill="hold">
+                                          <p:stCondLst>
+                                            <p:cond delay="0"/>
+                                          </p:stCondLst>
+                                        </p:cTn>
+                                        <p:tgtEl>
+                                          <p:spTgt spid="2">
+                                            <p:txEl>
+                                              <p:pRg st="3" end="3"/>
+                                            </p:txEl>
+                                          </p:spTgt>
+                                        </p:tgtEl>
+                                        <p:attrNameLst>
+                                          <p:attrName>style.visibility</p:attrName>
+                                        </p:attrNameLst>
+                                      </p:cBhvr>
+                                      <p:to>
+                                        <p:strVal val="visible"/>
+                                      </p:to>
+                                    </p:set>
+                                  </p:childTnLst>
+                                </p:cTn>
+                              </p:par>
+                            </p:childTnLst>
+                          </p:cTn>
+                        </p:par>
+                      </p:childTnLst>
+                    </p:cTn>
+                  </p:par>
+                  <p:par>
+                    <p:cTn id="19" fill="hold">
+                      <p:stCondLst>
+                        <p:cond delay="indefinite"/>
+                      </p:stCondLst>
+                      <p:childTnLst>
+                        <p:par>
+                          <p:cTn id="20" fill="hold">
+                            <p:stCondLst>
+                              <p:cond delay="0"/>
+                            </p:stCondLst>
+                            <p:childTnLst>
+                              <p:par>
+                                <p:cTn id="21" presetID="1" presetClass="entr" presetSubtype="0" fill="hold" nodeType="clickEffect">
+                                  <p:stCondLst>
+                                    <p:cond delay="0"/>
+                                  </p:stCondLst>
+                                  <p:childTnLst>
+                                    <p:set>
+                                      <p:cBhvr>
+                                        <p:cTn id="22" dur="1" fill="hold">
+                                          <p:stCondLst>
+                                            <p:cond delay="0"/>
+                                          </p:stCondLst>
+                                        </p:cTn>
+                                        <p:tgtEl>
+                                          <p:spTgt spid="3">
+                                            <p:txEl>
+                                              <p:pRg st="0" end="0"/>
+                                            </p:txEl>
+                                          </p:spTgt>
+                                        </p:tgtEl>
+                                        <p:attrNameLst>
+                                          <p:attrName>style.visibility</p:attrName>
+                                        </p:attrNameLst>
+                                      </p:cBhvr>
+                                      <p:to>
+                                        <p:strVal val="visible"/>
+                                      </p:to>
+                                    </p:set>
+                                  </p:childTnLst>
+                                </p:cTn>
+                              </p:par>
+                            </p:childTnLst>
+                          </p:cTn>
+                        </p:par>
+                      </p:childTnLst>
+                    </p:cTn>
+                  </p:par>
+                  <p:par>
+                    <p:cTn id="23" fill="hold">
+                      <p:stCondLst>
+                        <p:cond delay="indefinite"/>
+                      </p:stCondLst>
+                      <p:childTnLst>
+                        <p:par>
+                          <p:cTn id="24" fill="hold">
+                            <p:stCondLst>
+                              <p:cond delay="0"/>
+                            </p:stCondLst>
+                            <p:childTnLst>
+                              <p:par>
+                                <p:cTn id="25" presetID="1" presetClass="entr" presetSubtype="0" fill="hold" nodeType="clickEffect">
+                                  <p:stCondLst>
+                                    <p:cond delay="0"/>
+                                  </p:stCondLst>
+                                  <p:childTnLst>
+                                    <p:set>
+                                      <p:cBhvr>
+                                        <p:cTn id="26" dur="1" fill="hold">
+                                          <p:stCondLst>
+                                            <p:cond delay="0"/>
+                                          </p:stCondLst>
+                                        </p:cTn>
+                                        <p:tgtEl>
+                                          <p:spTgt spid="3">
+                                            <p:txEl>
+                                              <p:pRg st="1" end="1"/>
+                                            </p:txEl>
+                                          </p:spTgt>
+                                        </p:tgtEl>
+                                        <p:attrNameLst>
+                                          <p:attrName>style.visibility</p:attrName>
+                                        </p:attrNameLst>
+                                      </p:cBhvr>
+                                      <p:to>
+                                        <p:strVal val="visible"/>
+                                      </p:to>
+                                    </p:set>
+                                  </p:childTnLst>
+                                </p:cTn>
+                              </p:par>
+                            </p:childTnLst>
+                          </p:cTn>
+                        </p:par>
+                      </p:childTnLst>
+                    </p:cTn>
+                  </p:par>
+                  <p:par>
+                    <p:cTn id="27" fill="hold">
+                      <p:stCondLst>
+                        <p:cond delay="indefinite"/>
+                      </p:stCondLst>
+                      <p:childTnLst>
+                        <p:par>
+                          <p:cTn id="28" fill="hold">
+                            <p:stCondLst>
+                              <p:cond delay="0"/>
+                            </p:stCondLst>
+                            <p:childTnLst>
+                              <p:par>
+                                <p:cTn id="29" presetID="1" presetClass="entr" presetSubtype="0" fill="hold" nodeType="clickEffect">
+                                  <p:stCondLst>
+                                    <p:cond delay="0"/>
+                                  </p:stCondLst>
+                                  <p:childTnLst>
+                                    <p:set>
+                                      <p:cBhvr>
+                                        <p:cTn id="30" dur="1" fill="hold">
+                                          <p:stCondLst>
+                                            <p:cond delay="0"/>
+                                          </p:stCondLst>
+                                        </p:cTn>
+                                        <p:tgtEl>
+                                          <p:spTgt spid="3">
+                                            <p:txEl>
+                                              <p:pRg st="2" end="2"/>
+                                            </p:txEl>
+                                          </p:spTgt>
+                                        </p:tgtEl>
+                                        <p:attrNameLst>
+                                          <p:attrName>style.visibility</p:attrName>
+                                        </p:attrNameLst>
+                                      </p:cBhvr>
+                                      <p:to>
+                                        <p:strVal val="visible"/>
+                                      </p:to>
+                                    </p:set>
+                                  </p:childTnLst>
+                                </p:cTn>
+                              </p:par>
+                            </p:childTnLst>
+                          </p:cTn>
+                        </p:par>
+                      </p:childTnLst>
+                    </p:cTn>
+                  </p:par>
+                </p:childTnLst>
+              </p:cTn>
+              <p:prevCondLst>
+                <p:cond evt="onPrev" delay="0">
+                  <p:tgtEl>
+                    <p:sldTgt/>
+                  </p:tgtEl>
+                </p:cond>
+              </p:prevCondLst>
+              <p:nextCondLst>
+                <p:cond evt="onNext" delay="0">
+                  <p:tgtEl>
+                    <p:sldTgt/>
+                  </p:tgtEl>
+                </p:cond>
+              </p:nextCondLst>
+            </p:seq>
+          </p:childTnLst>
+        </p:cTn>
+      </p:par>
+    </p:tnLst>
+  </p:timing>
 </p:sld>
 </file>
 
